--- a/22_TCP_UDP_Protocol.pptx
+++ b/22_TCP_UDP_Protocol.pptx
@@ -212,7 +212,7 @@
             <a:fld id="{6837EDA8-41C8-4B24-A206-13C08A65A6D7}" type="datetimeFigureOut">
               <a:rPr lang="zh-TW" altLang="en-US" smtClean="0"/>
               <a:pPr/>
-              <a:t>2020/3/29</a:t>
+              <a:t>2020/3/30</a:t>
             </a:fld>
             <a:endParaRPr lang="zh-TW" altLang="en-US"/>
           </a:p>
@@ -665,7 +665,7 @@
             <a:fld id="{8B85509C-BD4F-47BF-9B1E-FC2E949B3621}" type="datetime1">
               <a:rPr lang="zh-TW" altLang="en-US" smtClean="0"/>
               <a:pPr/>
-              <a:t>2020/3/29</a:t>
+              <a:t>2020/3/30</a:t>
             </a:fld>
             <a:endParaRPr lang="zh-TW" altLang="en-US"/>
           </a:p>
@@ -838,7 +838,7 @@
             <a:fld id="{42251B24-F787-4C15-8A0F-7AEC20C70069}" type="datetime1">
               <a:rPr lang="zh-TW" altLang="en-US" smtClean="0"/>
               <a:pPr/>
-              <a:t>2020/3/29</a:t>
+              <a:t>2020/3/30</a:t>
             </a:fld>
             <a:endParaRPr lang="zh-TW" altLang="en-US"/>
           </a:p>
@@ -1013,7 +1013,7 @@
             <a:fld id="{9CA0D33C-CE2B-45F1-B8D4-FFD1F131F331}" type="datetime1">
               <a:rPr lang="zh-TW" altLang="en-US" smtClean="0"/>
               <a:pPr/>
-              <a:t>2020/3/29</a:t>
+              <a:t>2020/3/30</a:t>
             </a:fld>
             <a:endParaRPr lang="zh-TW" altLang="en-US"/>
           </a:p>
@@ -1178,7 +1178,7 @@
             <a:fld id="{50B99440-D9EF-40CC-9B52-F6428D9B2C76}" type="datetime1">
               <a:rPr lang="zh-TW" altLang="en-US" smtClean="0"/>
               <a:pPr/>
-              <a:t>2020/3/29</a:t>
+              <a:t>2020/3/30</a:t>
             </a:fld>
             <a:endParaRPr lang="zh-TW" altLang="en-US"/>
           </a:p>
@@ -1420,7 +1420,7 @@
             <a:fld id="{0871BF52-5C6C-4959-8E27-CECB68D39FE4}" type="datetime1">
               <a:rPr lang="zh-TW" altLang="en-US" smtClean="0"/>
               <a:pPr/>
-              <a:t>2020/3/29</a:t>
+              <a:t>2020/3/30</a:t>
             </a:fld>
             <a:endParaRPr lang="zh-TW" altLang="en-US"/>
           </a:p>
@@ -1702,7 +1702,7 @@
             <a:fld id="{DF863F05-2DD9-4EB1-A827-12FD992DE9DC}" type="datetime1">
               <a:rPr lang="zh-TW" altLang="en-US" smtClean="0"/>
               <a:pPr/>
-              <a:t>2020/3/29</a:t>
+              <a:t>2020/3/30</a:t>
             </a:fld>
             <a:endParaRPr lang="zh-TW" altLang="en-US"/>
           </a:p>
@@ -2118,7 +2118,7 @@
             <a:fld id="{6339AF51-4491-4873-A096-75DB6CE47516}" type="datetime1">
               <a:rPr lang="zh-TW" altLang="en-US" smtClean="0"/>
               <a:pPr/>
-              <a:t>2020/3/29</a:t>
+              <a:t>2020/3/30</a:t>
             </a:fld>
             <a:endParaRPr lang="zh-TW" altLang="en-US"/>
           </a:p>
@@ -2232,7 +2232,7 @@
             <a:fld id="{EE4AD9C8-8B9E-40FF-ABE2-858AC2057BBB}" type="datetime1">
               <a:rPr lang="zh-TW" altLang="en-US" smtClean="0"/>
               <a:pPr/>
-              <a:t>2020/3/29</a:t>
+              <a:t>2020/3/30</a:t>
             </a:fld>
             <a:endParaRPr lang="zh-TW" altLang="en-US"/>
           </a:p>
@@ -2324,7 +2324,7 @@
             <a:fld id="{B4784999-BBBE-4BE4-A8D0-877E7D1D66CC}" type="datetime1">
               <a:rPr lang="zh-TW" altLang="en-US" smtClean="0"/>
               <a:pPr/>
-              <a:t>2020/3/29</a:t>
+              <a:t>2020/3/30</a:t>
             </a:fld>
             <a:endParaRPr lang="zh-TW" altLang="en-US"/>
           </a:p>
@@ -2596,7 +2596,7 @@
             <a:fld id="{E88D17E6-02BD-4944-B9FE-7BFCCBF83D48}" type="datetime1">
               <a:rPr lang="zh-TW" altLang="en-US" smtClean="0"/>
               <a:pPr/>
-              <a:t>2020/3/29</a:t>
+              <a:t>2020/3/30</a:t>
             </a:fld>
             <a:endParaRPr lang="zh-TW" altLang="en-US"/>
           </a:p>
@@ -2845,7 +2845,7 @@
             <a:fld id="{3C13E23D-1FEF-4D78-A3A3-3D6F2BB31954}" type="datetime1">
               <a:rPr lang="zh-TW" altLang="en-US" smtClean="0"/>
               <a:pPr/>
-              <a:t>2020/3/29</a:t>
+              <a:t>2020/3/30</a:t>
             </a:fld>
             <a:endParaRPr lang="zh-TW" altLang="en-US"/>
           </a:p>
@@ -3053,7 +3053,7 @@
             <a:fld id="{06197F35-AD6F-4594-8B50-334492D2E7E8}" type="datetime1">
               <a:rPr lang="zh-TW" altLang="en-US" smtClean="0"/>
               <a:pPr/>
-              <a:t>2020/3/29</a:t>
+              <a:t>2020/3/30</a:t>
             </a:fld>
             <a:endParaRPr lang="zh-TW" altLang="en-US"/>
           </a:p>
@@ -3514,7 +3514,7 @@
             <a:fld id="{C389EDC9-19E3-47AC-9C57-C6A24DEA81AD}" type="datetime1">
               <a:rPr lang="zh-TW" altLang="en-US" smtClean="0"/>
               <a:pPr/>
-              <a:t>2020/3/29</a:t>
+              <a:t>2020/3/30</a:t>
             </a:fld>
             <a:endParaRPr lang="zh-TW" altLang="en-US"/>
           </a:p>
@@ -3793,7 +3793,7 @@
             <a:fld id="{A4F910E6-8D00-4BAF-8C48-9688E0B449D3}" type="datetime1">
               <a:rPr lang="zh-TW" altLang="en-US" smtClean="0"/>
               <a:pPr/>
-              <a:t>2020/3/29</a:t>
+              <a:t>2020/3/30</a:t>
             </a:fld>
             <a:endParaRPr lang="zh-TW" altLang="en-US"/>
           </a:p>
@@ -4047,7 +4047,7 @@
             <a:fld id="{A4F910E6-8D00-4BAF-8C48-9688E0B449D3}" type="datetime1">
               <a:rPr lang="zh-TW" altLang="en-US" smtClean="0"/>
               <a:pPr/>
-              <a:t>2020/3/29</a:t>
+              <a:t>2020/3/30</a:t>
             </a:fld>
             <a:endParaRPr lang="zh-TW" altLang="en-US"/>
           </a:p>
@@ -4097,7 +4097,7 @@
           <p:nvPr>
             <p:extLst>
               <p:ext uri="{D42A27DB-BD31-4B8C-83A1-F6EECF244321}">
-                <p14:modId xmlns:p14="http://schemas.microsoft.com/office/powerpoint/2010/main" val="3890537396"/>
+                <p14:modId xmlns:p14="http://schemas.microsoft.com/office/powerpoint/2010/main" val="1262492203"/>
               </p:ext>
             </p:extLst>
           </p:nvPr>
@@ -4298,7 +4298,10 @@
                     <a:bodyPr/>
                     <a:lstStyle/>
                     <a:p>
-                      <a:endParaRPr lang="en-US" sz="1600" dirty="0"/>
+                      <a:r>
+                        <a:rPr lang="en-US" sz="1600" dirty="0"/>
+                        <a:t>DNS (53)</a:t>
+                      </a:r>
                     </a:p>
                   </a:txBody>
                   <a:tcPr/>
@@ -4724,7 +4727,7 @@
             <a:fld id="{4E46BE27-E923-4EC2-B046-3272AE2A3E5C}" type="datetime1">
               <a:rPr lang="zh-TW" altLang="en-US" smtClean="0"/>
               <a:pPr/>
-              <a:t>2020/3/29</a:t>
+              <a:t>2020/3/30</a:t>
             </a:fld>
             <a:endParaRPr lang="zh-TW" altLang="en-US"/>
           </a:p>
